--- a/03スプリントバックログ/第1回スプリングレトロスペクティブ.pptx
+++ b/03スプリントバックログ/第1回スプリングレトロスペクティブ.pptx
@@ -3671,14 +3671,17 @@
         </p:nvSpPr>
         <p:spPr>
           <a:xfrm>
-            <a:off x="6141720" y="1448435"/>
-            <a:ext cx="5768340" cy="5166360"/>
+            <a:off x="6141720" y="1382792"/>
+            <a:ext cx="5768340" cy="5156032"/>
           </a:xfrm>
           <a:prstGeom prst="rect">
             <a:avLst/>
           </a:prstGeom>
           <a:solidFill>
-            <a:srgbClr val="FFFF00"/>
+            <a:schemeClr val="accent4">
+              <a:lumMod val="20000"/>
+              <a:lumOff val="80000"/>
+            </a:schemeClr>
           </a:solidFill>
         </p:spPr>
         <p:style>
@@ -3703,45 +3706,31 @@
           <a:p>
             <a:pPr algn="ctr"/>
             <a:r>
-              <a:rPr kumimoji="1" lang="en-US" altLang="ja-JP" sz="3200" dirty="0">
+              <a:rPr kumimoji="1" lang="en-US" altLang="ja-JP" sz="2800" dirty="0">
                 <a:solidFill>
                   <a:schemeClr val="tx1"/>
                 </a:solidFill>
               </a:rPr>
-              <a:t>Try</a:t>
-            </a:r>
-          </a:p>
-          <a:p>
-            <a:endParaRPr lang="en-US" altLang="ja-JP" sz="2000" dirty="0">
-              <a:solidFill>
-                <a:schemeClr val="tx1"/>
-              </a:solidFill>
-            </a:endParaRPr>
-          </a:p>
-          <a:p>
-            <a:r>
-              <a:rPr kumimoji="1" lang="ja-JP" altLang="en-US" sz="2000" dirty="0">
+              <a:t>Try(</a:t>
+            </a:r>
+            <a:r>
+              <a:rPr kumimoji="1" lang="ja-JP" altLang="en-US" sz="2800" dirty="0">
                 <a:solidFill>
                   <a:schemeClr val="tx1"/>
                 </a:solidFill>
               </a:rPr>
-              <a:t>・試すこと</a:t>
-            </a:r>
-            <a:endParaRPr kumimoji="1" lang="en-US" altLang="ja-JP" sz="2000" dirty="0">
-              <a:solidFill>
-                <a:schemeClr val="tx1"/>
-              </a:solidFill>
-            </a:endParaRPr>
-          </a:p>
-          <a:p>
-            <a:r>
-              <a:rPr lang="ja-JP" altLang="en-US" sz="2000" dirty="0">
+              <a:t>試すこと・工夫したいこと</a:t>
+            </a:r>
+            <a:r>
+              <a:rPr kumimoji="1" lang="en-US" altLang="ja-JP" sz="2800" dirty="0">
                 <a:solidFill>
                   <a:schemeClr val="tx1"/>
                 </a:solidFill>
               </a:rPr>
-              <a:t>・工夫したい事</a:t>
-            </a:r>
+              <a:t>)</a:t>
+            </a:r>
+          </a:p>
+          <a:p>
             <a:endParaRPr lang="en-US" altLang="ja-JP" sz="2000" dirty="0">
               <a:solidFill>
                 <a:schemeClr val="tx1"/>
@@ -3765,7 +3754,7 @@
           </a:p>
           <a:p>
             <a:r>
-              <a:rPr lang="ja-JP" altLang="en-US" sz="2000">
+              <a:rPr lang="ja-JP" altLang="en-US" sz="2000" dirty="0">
                 <a:solidFill>
                   <a:schemeClr val="tx1"/>
                 </a:solidFill>
@@ -3778,58 +3767,6 @@
               </a:solidFill>
             </a:endParaRPr>
           </a:p>
-          <a:p>
-            <a:r>
-              <a:rPr kumimoji="1" lang="ja-JP" altLang="en-US" sz="2000" dirty="0">
-                <a:solidFill>
-                  <a:schemeClr val="tx1"/>
-                </a:solidFill>
-              </a:rPr>
-              <a:t>・</a:t>
-            </a:r>
-            <a:endParaRPr kumimoji="1" lang="en-US" altLang="ja-JP" sz="2000" dirty="0">
-              <a:solidFill>
-                <a:schemeClr val="tx1"/>
-              </a:solidFill>
-            </a:endParaRPr>
-          </a:p>
-          <a:p>
-            <a:r>
-              <a:rPr lang="ja-JP" altLang="en-US" sz="2000" dirty="0">
-                <a:solidFill>
-                  <a:schemeClr val="tx1"/>
-                </a:solidFill>
-              </a:rPr>
-              <a:t>・</a:t>
-            </a:r>
-            <a:endParaRPr lang="en-US" altLang="ja-JP" sz="2000" dirty="0">
-              <a:solidFill>
-                <a:schemeClr val="tx1"/>
-              </a:solidFill>
-            </a:endParaRPr>
-          </a:p>
-          <a:p>
-            <a:r>
-              <a:rPr kumimoji="1" lang="ja-JP" altLang="en-US" sz="2000" dirty="0">
-                <a:solidFill>
-                  <a:schemeClr val="tx1"/>
-                </a:solidFill>
-              </a:rPr>
-              <a:t>・</a:t>
-            </a:r>
-            <a:endParaRPr kumimoji="1" lang="en-US" altLang="ja-JP" sz="2000" dirty="0">
-              <a:solidFill>
-                <a:schemeClr val="tx1"/>
-              </a:solidFill>
-            </a:endParaRPr>
-          </a:p>
-          <a:p>
-            <a:endParaRPr kumimoji="1" lang="ja-JP" altLang="en-US" sz="2000" dirty="0">
-              <a:solidFill>
-                <a:schemeClr val="tx1"/>
-              </a:solidFill>
-            </a:endParaRPr>
-          </a:p>
         </p:txBody>
       </p:sp>
       <p:sp>
@@ -3846,8 +3783,8 @@
         </p:nvSpPr>
         <p:spPr>
           <a:xfrm>
-            <a:off x="388620" y="1468133"/>
-            <a:ext cx="5768340" cy="2509507"/>
+            <a:off x="373380" y="1382792"/>
+            <a:ext cx="5768340" cy="2578016"/>
           </a:xfrm>
           <a:prstGeom prst="rect">
             <a:avLst/>
@@ -3881,45 +3818,44 @@
           <a:p>
             <a:pPr algn="ctr"/>
             <a:r>
-              <a:rPr kumimoji="1" lang="en-US" altLang="ja-JP" sz="3200" dirty="0">
+              <a:rPr kumimoji="1" lang="en-US" altLang="ja-JP" sz="2800" dirty="0">
                 <a:solidFill>
                   <a:schemeClr val="tx1"/>
                 </a:solidFill>
               </a:rPr>
               <a:t>Keep</a:t>
             </a:r>
-          </a:p>
-          <a:p>
-            <a:endParaRPr kumimoji="1" lang="en-US" altLang="ja-JP" sz="2000" dirty="0">
+            <a:r>
+              <a:rPr lang="en-US" altLang="ja-JP" sz="2800" dirty="0">
+                <a:solidFill>
+                  <a:schemeClr val="tx1"/>
+                </a:solidFill>
+              </a:rPr>
+              <a:t>(</a:t>
+            </a:r>
+            <a:r>
+              <a:rPr lang="ja-JP" altLang="en-US" sz="2800" dirty="0">
+                <a:solidFill>
+                  <a:schemeClr val="tx1"/>
+                </a:solidFill>
+              </a:rPr>
+              <a:t>続けること・良い事</a:t>
+            </a:r>
+            <a:r>
+              <a:rPr lang="en-US" altLang="ja-JP" sz="2800" dirty="0">
+                <a:solidFill>
+                  <a:schemeClr val="tx1"/>
+                </a:solidFill>
+              </a:rPr>
+              <a:t>)</a:t>
+            </a:r>
+            <a:endParaRPr kumimoji="1" lang="en-US" altLang="ja-JP" sz="2800" dirty="0">
               <a:solidFill>
                 <a:schemeClr val="tx1"/>
               </a:solidFill>
             </a:endParaRPr>
           </a:p>
           <a:p>
-            <a:r>
-              <a:rPr kumimoji="1" lang="ja-JP" altLang="en-US" sz="2000" dirty="0">
-                <a:solidFill>
-                  <a:schemeClr val="tx1"/>
-                </a:solidFill>
-              </a:rPr>
-              <a:t>・続けること</a:t>
-            </a:r>
-            <a:endParaRPr kumimoji="1" lang="en-US" altLang="ja-JP" sz="2000" dirty="0">
-              <a:solidFill>
-                <a:schemeClr val="tx1"/>
-              </a:solidFill>
-            </a:endParaRPr>
-          </a:p>
-          <a:p>
-            <a:r>
-              <a:rPr lang="ja-JP" altLang="en-US" sz="2000" dirty="0">
-                <a:solidFill>
-                  <a:schemeClr val="tx1"/>
-                </a:solidFill>
-              </a:rPr>
-              <a:t>・良い事</a:t>
-            </a:r>
             <a:endParaRPr lang="en-US" altLang="ja-JP" sz="2000" dirty="0">
               <a:solidFill>
                 <a:schemeClr val="tx1"/>
@@ -3956,21 +3892,6 @@
               </a:solidFill>
             </a:endParaRPr>
           </a:p>
-          <a:p>
-            <a:r>
-              <a:rPr kumimoji="1" lang="ja-JP" altLang="en-US" sz="2000" dirty="0">
-                <a:solidFill>
-                  <a:schemeClr val="tx1"/>
-                </a:solidFill>
-              </a:rPr>
-              <a:t>・</a:t>
-            </a:r>
-            <a:endParaRPr kumimoji="1" lang="en-US" altLang="ja-JP" sz="2000" dirty="0">
-              <a:solidFill>
-                <a:schemeClr val="tx1"/>
-              </a:solidFill>
-            </a:endParaRPr>
-          </a:p>
         </p:txBody>
       </p:sp>
       <p:sp>
@@ -3987,16 +3908,16 @@
         </p:nvSpPr>
         <p:spPr>
           <a:xfrm>
-            <a:off x="388620" y="3977640"/>
-            <a:ext cx="5768340" cy="2637155"/>
+            <a:off x="373380" y="3960808"/>
+            <a:ext cx="5768340" cy="2578016"/>
           </a:xfrm>
           <a:prstGeom prst="rect">
             <a:avLst/>
           </a:prstGeom>
           <a:solidFill>
             <a:schemeClr val="accent5">
-              <a:lumMod val="40000"/>
-              <a:lumOff val="60000"/>
+              <a:lumMod val="20000"/>
+              <a:lumOff val="80000"/>
             </a:schemeClr>
           </a:solidFill>
         </p:spPr>
@@ -4022,46 +3943,32 @@
           <a:p>
             <a:pPr algn="ctr"/>
             <a:r>
-              <a:rPr kumimoji="1" lang="en-US" altLang="ja-JP" sz="3200" dirty="0">
+              <a:rPr kumimoji="1" lang="en-US" altLang="ja-JP" sz="2800" dirty="0">
                 <a:solidFill>
                   <a:schemeClr val="tx1"/>
                 </a:solidFill>
               </a:rPr>
-              <a:t>Problem</a:t>
-            </a:r>
-          </a:p>
-          <a:p>
-            <a:endParaRPr kumimoji="1" lang="en-US" altLang="ja-JP" sz="2000" dirty="0">
-              <a:solidFill>
-                <a:schemeClr val="tx1"/>
-              </a:solidFill>
-            </a:endParaRPr>
-          </a:p>
-          <a:p>
-            <a:r>
-              <a:rPr lang="ja-JP" altLang="en-US" sz="2000" dirty="0">
+              <a:t>Problem(</a:t>
+            </a:r>
+            <a:r>
+              <a:rPr kumimoji="1" lang="ja-JP" altLang="en-US" sz="2800" dirty="0">
                 <a:solidFill>
                   <a:schemeClr val="tx1"/>
                 </a:solidFill>
               </a:rPr>
-              <a:t>・不満点</a:t>
-            </a:r>
-            <a:endParaRPr lang="en-US" altLang="ja-JP" sz="2000" dirty="0">
-              <a:solidFill>
-                <a:schemeClr val="tx1"/>
-              </a:solidFill>
-            </a:endParaRPr>
-          </a:p>
-          <a:p>
-            <a:r>
-              <a:rPr kumimoji="1" lang="ja-JP" altLang="en-US" sz="2000" dirty="0">
+              <a:t>不満点・問題点</a:t>
+            </a:r>
+            <a:r>
+              <a:rPr kumimoji="1" lang="en-US" altLang="ja-JP" sz="2800" dirty="0">
                 <a:solidFill>
                   <a:schemeClr val="tx1"/>
                 </a:solidFill>
               </a:rPr>
-              <a:t>・問題点</a:t>
-            </a:r>
-            <a:endParaRPr kumimoji="1" lang="en-US" altLang="ja-JP" sz="2000" dirty="0">
+              <a:t>)</a:t>
+            </a:r>
+          </a:p>
+          <a:p>
+            <a:endParaRPr kumimoji="1" lang="en-US" altLang="ja-JP" sz="2800" dirty="0">
               <a:solidFill>
                 <a:schemeClr val="tx1"/>
               </a:solidFill>
@@ -4077,36 +3984,6 @@
               <a:t>・毎時ギットハブの更新</a:t>
             </a:r>
             <a:endParaRPr lang="en-US" altLang="ja-JP" sz="2000" dirty="0">
-              <a:solidFill>
-                <a:schemeClr val="tx1"/>
-              </a:solidFill>
-            </a:endParaRPr>
-          </a:p>
-          <a:p>
-            <a:r>
-              <a:rPr kumimoji="1" lang="ja-JP" altLang="en-US" sz="2000" dirty="0">
-                <a:solidFill>
-                  <a:schemeClr val="tx1"/>
-                </a:solidFill>
-              </a:rPr>
-              <a:t>・</a:t>
-            </a:r>
-            <a:endParaRPr kumimoji="1" lang="en-US" altLang="ja-JP" sz="2000" dirty="0">
-              <a:solidFill>
-                <a:schemeClr val="tx1"/>
-              </a:solidFill>
-            </a:endParaRPr>
-          </a:p>
-          <a:p>
-            <a:r>
-              <a:rPr lang="ja-JP" altLang="en-US" sz="2000" dirty="0">
-                <a:solidFill>
-                  <a:schemeClr val="tx1"/>
-                </a:solidFill>
-              </a:rPr>
-              <a:t>・</a:t>
-            </a:r>
-            <a:endParaRPr kumimoji="1" lang="ja-JP" altLang="en-US" sz="2400" dirty="0">
               <a:solidFill>
                 <a:schemeClr val="tx1"/>
               </a:solidFill>
@@ -4147,7 +4024,7 @@
               <a:t>チーム名：</a:t>
             </a:r>
             <a:r>
-              <a:rPr kumimoji="1" lang="en-US" altLang="ja-JP" sz="2800" dirty="0" err="1"/>
+              <a:rPr kumimoji="1" lang="en-US" altLang="ja-JP" sz="2800" dirty="0"/>
               <a:t>AnotherSky</a:t>
             </a:r>
             <a:endParaRPr kumimoji="1" lang="ja-JP" altLang="en-US" sz="2800" dirty="0"/>
@@ -4463,21 +4340,6 @@
 </file>
 
 <file path=customXml/item1.xml><?xml version="1.0" encoding="utf-8"?>
-<p:properties xmlns:p="http://schemas.microsoft.com/office/2006/metadata/properties" xmlns:xsi="http://www.w3.org/2001/XMLSchema-instance" xmlns:pc="http://schemas.microsoft.com/office/infopath/2007/PartnerControls">
-  <documentManagement/>
-</p:properties>
-</file>
-
-<file path=customXml/item2.xml><?xml version="1.0" encoding="utf-8"?>
-<?mso-contentType ?>
-<FormTemplates xmlns="http://schemas.microsoft.com/sharepoint/v3/contenttype/forms">
-  <Display>DocumentLibraryForm</Display>
-  <Edit>DocumentLibraryForm</Edit>
-  <New>DocumentLibraryForm</New>
-</FormTemplates>
-</file>
-
-<file path=customXml/item3.xml><?xml version="1.0" encoding="utf-8"?>
 <ct:contentTypeSchema xmlns:ct="http://schemas.microsoft.com/office/2006/metadata/contentType" xmlns:ma="http://schemas.microsoft.com/office/2006/metadata/properties/metaAttributes" ct:_="" ma:_="" ma:contentTypeName="ドキュメント" ma:contentTypeID="0x0101000889705F6052C04CB62ECDDCC575A3DB" ma:contentTypeVersion="3" ma:contentTypeDescription="新しいドキュメントを作成します。" ma:contentTypeScope="" ma:versionID="d47e42d9aa81338a48bf776e976ae736">
   <xsd:schema xmlns:xsd="http://www.w3.org/2001/XMLSchema" xmlns:xs="http://www.w3.org/2001/XMLSchema" xmlns:p="http://schemas.microsoft.com/office/2006/metadata/properties" xmlns:ns2="24224b6e-b20b-49bc-8182-af155e721963" targetNamespace="http://schemas.microsoft.com/office/2006/metadata/properties" ma:root="true" ma:fieldsID="85fe8df68c0bdb848122ecebafca61db" ns2:_="">
     <xsd:import namespace="24224b6e-b20b-49bc-8182-af155e721963"/>
@@ -4615,24 +4477,22 @@
 </ct:contentTypeSchema>
 </file>
 
-<file path=customXml/itemProps1.xml><?xml version="1.0" encoding="utf-8"?>
-<ds:datastoreItem xmlns:ds="http://schemas.openxmlformats.org/officeDocument/2006/customXml" ds:itemID="{ADAA2642-6792-47F7-9100-35862C9A21B6}">
-  <ds:schemaRefs>
-    <ds:schemaRef ds:uri="http://schemas.microsoft.com/office/2006/metadata/properties"/>
-    <ds:schemaRef ds:uri="http://schemas.microsoft.com/office/infopath/2007/PartnerControls"/>
-  </ds:schemaRefs>
-</ds:datastoreItem>
+<file path=customXml/item2.xml><?xml version="1.0" encoding="utf-8"?>
+<?mso-contentType ?>
+<FormTemplates xmlns="http://schemas.microsoft.com/sharepoint/v3/contenttype/forms">
+  <Display>DocumentLibraryForm</Display>
+  <Edit>DocumentLibraryForm</Edit>
+  <New>DocumentLibraryForm</New>
+</FormTemplates>
 </file>
 
-<file path=customXml/itemProps2.xml><?xml version="1.0" encoding="utf-8"?>
-<ds:datastoreItem xmlns:ds="http://schemas.openxmlformats.org/officeDocument/2006/customXml" ds:itemID="{27F2B004-193B-40FE-AA77-13AC6B5407E7}">
-  <ds:schemaRefs>
-    <ds:schemaRef ds:uri="http://schemas.microsoft.com/sharepoint/v3/contenttype/forms"/>
-  </ds:schemaRefs>
-</ds:datastoreItem>
+<file path=customXml/item3.xml><?xml version="1.0" encoding="utf-8"?>
+<p:properties xmlns:p="http://schemas.microsoft.com/office/2006/metadata/properties" xmlns:xsi="http://www.w3.org/2001/XMLSchema-instance" xmlns:pc="http://schemas.microsoft.com/office/infopath/2007/PartnerControls">
+  <documentManagement/>
+</p:properties>
 </file>
 
-<file path=customXml/itemProps3.xml><?xml version="1.0" encoding="utf-8"?>
+<file path=customXml/itemProps1.xml><?xml version="1.0" encoding="utf-8"?>
 <ds:datastoreItem xmlns:ds="http://schemas.openxmlformats.org/officeDocument/2006/customXml" ds:itemID="{B412E3CA-7E91-4776-A63C-FFE36170EF44}">
   <ds:schemaRefs>
     <ds:schemaRef ds:uri="http://schemas.microsoft.com/office/2006/metadata/contentType"/>
@@ -4648,4 +4508,21 @@
     <ds:schemaRef ds:uri="http://schemas.microsoft.com/internal/obd"/>
   </ds:schemaRefs>
 </ds:datastoreItem>
+</file>
+
+<file path=customXml/itemProps2.xml><?xml version="1.0" encoding="utf-8"?>
+<ds:datastoreItem xmlns:ds="http://schemas.openxmlformats.org/officeDocument/2006/customXml" ds:itemID="{27F2B004-193B-40FE-AA77-13AC6B5407E7}">
+  <ds:schemaRefs>
+    <ds:schemaRef ds:uri="http://schemas.microsoft.com/sharepoint/v3/contenttype/forms"/>
+  </ds:schemaRefs>
+</ds:datastoreItem>
+</file>
+
+<file path=customXml/itemProps3.xml><?xml version="1.0" encoding="utf-8"?>
+<ds:datastoreItem xmlns:ds="http://schemas.openxmlformats.org/officeDocument/2006/customXml" ds:itemID="{ADAA2642-6792-47F7-9100-35862C9A21B6}">
+  <ds:schemaRefs>
+    <ds:schemaRef ds:uri="http://schemas.microsoft.com/office/2006/metadata/properties"/>
+    <ds:schemaRef ds:uri="http://schemas.microsoft.com/office/infopath/2007/PartnerControls"/>
+  </ds:schemaRefs>
+</ds:datastoreItem>
 </file>
--- a/03スプリントバックログ/第1回スプリングレトロスペクティブ.pptx
+++ b/03スプリントバックログ/第1回スプリングレトロスペクティブ.pptx
@@ -3744,9 +3744,9 @@
                   <a:schemeClr val="tx1"/>
                 </a:solidFill>
               </a:rPr>
-              <a:t>・デザイン</a:t>
-            </a:r>
-            <a:endParaRPr kumimoji="1" lang="en-US" altLang="ja-JP" sz="2000" dirty="0">
+              <a:t>・デザインを改善</a:t>
+            </a:r>
+            <a:endParaRPr lang="en-US" altLang="ja-JP" sz="2000" dirty="0">
               <a:solidFill>
                 <a:schemeClr val="tx1"/>
               </a:solidFill>
@@ -3759,7 +3759,7 @@
                   <a:schemeClr val="tx1"/>
                 </a:solidFill>
               </a:rPr>
-              <a:t>・自分たちだけの強み</a:t>
+              <a:t>・デイリースクラムの記録をとる</a:t>
             </a:r>
             <a:endParaRPr lang="en-US" altLang="ja-JP" sz="2000" dirty="0">
               <a:solidFill>
@@ -3869,7 +3869,15 @@
                   <a:schemeClr val="tx1"/>
                 </a:solidFill>
               </a:rPr>
-              <a:t>・協力</a:t>
+              <a:t>・</a:t>
+            </a:r>
+            <a:r>
+              <a:rPr lang="ja-JP" altLang="en-US" sz="2000" dirty="0">
+                <a:solidFill>
+                  <a:schemeClr val="tx1"/>
+                </a:solidFill>
+              </a:rPr>
+              <a:t>作業の偏りはあまりない</a:t>
             </a:r>
             <a:endParaRPr kumimoji="1" lang="en-US" altLang="ja-JP" sz="2000" dirty="0">
               <a:solidFill>
@@ -3884,7 +3892,22 @@
                   <a:schemeClr val="tx1"/>
                 </a:solidFill>
               </a:rPr>
-              <a:t>・機能</a:t>
+              <a:t>・進捗が順調</a:t>
+            </a:r>
+            <a:endParaRPr lang="en-US" altLang="ja-JP" sz="2000" dirty="0">
+              <a:solidFill>
+                <a:schemeClr val="tx1"/>
+              </a:solidFill>
+            </a:endParaRPr>
+          </a:p>
+          <a:p>
+            <a:r>
+              <a:rPr lang="ja-JP" altLang="en-US" sz="2000" dirty="0">
+                <a:solidFill>
+                  <a:schemeClr val="tx1"/>
+                </a:solidFill>
+              </a:rPr>
+              <a:t>・残業ほぼなし</a:t>
             </a:r>
             <a:endParaRPr lang="en-US" altLang="ja-JP" sz="2000" dirty="0">
               <a:solidFill>
@@ -3981,7 +4004,38 @@
                   <a:schemeClr val="tx1"/>
                 </a:solidFill>
               </a:rPr>
-              <a:t>・毎時ギットハブの更新</a:t>
+              <a:t>・</a:t>
+            </a:r>
+            <a:r>
+              <a:rPr lang="en-US" altLang="ja-JP" sz="2000" dirty="0">
+                <a:solidFill>
+                  <a:schemeClr val="tx1"/>
+                </a:solidFill>
+              </a:rPr>
+              <a:t>github</a:t>
+            </a:r>
+            <a:r>
+              <a:rPr lang="ja-JP" altLang="en-US" sz="2000" dirty="0">
+                <a:solidFill>
+                  <a:schemeClr val="tx1"/>
+                </a:solidFill>
+              </a:rPr>
+              <a:t>を更新し忘れている</a:t>
+            </a:r>
+            <a:endParaRPr lang="en-US" altLang="ja-JP" sz="2000" dirty="0">
+              <a:solidFill>
+                <a:schemeClr val="tx1"/>
+              </a:solidFill>
+            </a:endParaRPr>
+          </a:p>
+          <a:p>
+            <a:r>
+              <a:rPr lang="ja-JP" altLang="en-US" sz="2000" dirty="0">
+                <a:solidFill>
+                  <a:schemeClr val="tx1"/>
+                </a:solidFill>
+              </a:rPr>
+              <a:t>・レトロスペクティブで参考にするスクラム記録がない</a:t>
             </a:r>
             <a:endParaRPr lang="en-US" altLang="ja-JP" sz="2000" dirty="0">
               <a:solidFill>
@@ -4340,6 +4394,21 @@
 </file>
 
 <file path=customXml/item1.xml><?xml version="1.0" encoding="utf-8"?>
+<p:properties xmlns:p="http://schemas.microsoft.com/office/2006/metadata/properties" xmlns:xsi="http://www.w3.org/2001/XMLSchema-instance" xmlns:pc="http://schemas.microsoft.com/office/infopath/2007/PartnerControls">
+  <documentManagement/>
+</p:properties>
+</file>
+
+<file path=customXml/item2.xml><?xml version="1.0" encoding="utf-8"?>
+<?mso-contentType ?>
+<FormTemplates xmlns="http://schemas.microsoft.com/sharepoint/v3/contenttype/forms">
+  <Display>DocumentLibraryForm</Display>
+  <Edit>DocumentLibraryForm</Edit>
+  <New>DocumentLibraryForm</New>
+</FormTemplates>
+</file>
+
+<file path=customXml/item3.xml><?xml version="1.0" encoding="utf-8"?>
 <ct:contentTypeSchema xmlns:ct="http://schemas.microsoft.com/office/2006/metadata/contentType" xmlns:ma="http://schemas.microsoft.com/office/2006/metadata/properties/metaAttributes" ct:_="" ma:_="" ma:contentTypeName="ドキュメント" ma:contentTypeID="0x0101000889705F6052C04CB62ECDDCC575A3DB" ma:contentTypeVersion="3" ma:contentTypeDescription="新しいドキュメントを作成します。" ma:contentTypeScope="" ma:versionID="d47e42d9aa81338a48bf776e976ae736">
   <xsd:schema xmlns:xsd="http://www.w3.org/2001/XMLSchema" xmlns:xs="http://www.w3.org/2001/XMLSchema" xmlns:p="http://schemas.microsoft.com/office/2006/metadata/properties" xmlns:ns2="24224b6e-b20b-49bc-8182-af155e721963" targetNamespace="http://schemas.microsoft.com/office/2006/metadata/properties" ma:root="true" ma:fieldsID="85fe8df68c0bdb848122ecebafca61db" ns2:_="">
     <xsd:import namespace="24224b6e-b20b-49bc-8182-af155e721963"/>
@@ -4477,22 +4546,24 @@
 </ct:contentTypeSchema>
 </file>
 
-<file path=customXml/item2.xml><?xml version="1.0" encoding="utf-8"?>
-<?mso-contentType ?>
-<FormTemplates xmlns="http://schemas.microsoft.com/sharepoint/v3/contenttype/forms">
-  <Display>DocumentLibraryForm</Display>
-  <Edit>DocumentLibraryForm</Edit>
-  <New>DocumentLibraryForm</New>
-</FormTemplates>
+<file path=customXml/itemProps1.xml><?xml version="1.0" encoding="utf-8"?>
+<ds:datastoreItem xmlns:ds="http://schemas.openxmlformats.org/officeDocument/2006/customXml" ds:itemID="{ADAA2642-6792-47F7-9100-35862C9A21B6}">
+  <ds:schemaRefs>
+    <ds:schemaRef ds:uri="http://schemas.microsoft.com/office/2006/metadata/properties"/>
+    <ds:schemaRef ds:uri="http://schemas.microsoft.com/office/infopath/2007/PartnerControls"/>
+  </ds:schemaRefs>
+</ds:datastoreItem>
 </file>
 
-<file path=customXml/item3.xml><?xml version="1.0" encoding="utf-8"?>
-<p:properties xmlns:p="http://schemas.microsoft.com/office/2006/metadata/properties" xmlns:xsi="http://www.w3.org/2001/XMLSchema-instance" xmlns:pc="http://schemas.microsoft.com/office/infopath/2007/PartnerControls">
-  <documentManagement/>
-</p:properties>
+<file path=customXml/itemProps2.xml><?xml version="1.0" encoding="utf-8"?>
+<ds:datastoreItem xmlns:ds="http://schemas.openxmlformats.org/officeDocument/2006/customXml" ds:itemID="{27F2B004-193B-40FE-AA77-13AC6B5407E7}">
+  <ds:schemaRefs>
+    <ds:schemaRef ds:uri="http://schemas.microsoft.com/sharepoint/v3/contenttype/forms"/>
+  </ds:schemaRefs>
+</ds:datastoreItem>
 </file>
 
-<file path=customXml/itemProps1.xml><?xml version="1.0" encoding="utf-8"?>
+<file path=customXml/itemProps3.xml><?xml version="1.0" encoding="utf-8"?>
 <ds:datastoreItem xmlns:ds="http://schemas.openxmlformats.org/officeDocument/2006/customXml" ds:itemID="{B412E3CA-7E91-4776-A63C-FFE36170EF44}">
   <ds:schemaRefs>
     <ds:schemaRef ds:uri="http://schemas.microsoft.com/office/2006/metadata/contentType"/>
@@ -4508,21 +4579,4 @@
     <ds:schemaRef ds:uri="http://schemas.microsoft.com/internal/obd"/>
   </ds:schemaRefs>
 </ds:datastoreItem>
-</file>
-
-<file path=customXml/itemProps2.xml><?xml version="1.0" encoding="utf-8"?>
-<ds:datastoreItem xmlns:ds="http://schemas.openxmlformats.org/officeDocument/2006/customXml" ds:itemID="{27F2B004-193B-40FE-AA77-13AC6B5407E7}">
-  <ds:schemaRefs>
-    <ds:schemaRef ds:uri="http://schemas.microsoft.com/sharepoint/v3/contenttype/forms"/>
-  </ds:schemaRefs>
-</ds:datastoreItem>
-</file>
-
-<file path=customXml/itemProps3.xml><?xml version="1.0" encoding="utf-8"?>
-<ds:datastoreItem xmlns:ds="http://schemas.openxmlformats.org/officeDocument/2006/customXml" ds:itemID="{ADAA2642-6792-47F7-9100-35862C9A21B6}">
-  <ds:schemaRefs>
-    <ds:schemaRef ds:uri="http://schemas.microsoft.com/office/2006/metadata/properties"/>
-    <ds:schemaRef ds:uri="http://schemas.microsoft.com/office/infopath/2007/PartnerControls"/>
-  </ds:schemaRefs>
-</ds:datastoreItem>
 </file>
--- a/03スプリントバックログ/第1回スプリングレトロスペクティブ.pptx
+++ b/03スプリントバックログ/第1回スプリングレトロスペクティブ.pptx
@@ -3877,7 +3877,7 @@
                   <a:schemeClr val="tx1"/>
                 </a:solidFill>
               </a:rPr>
-              <a:t>作業の偏りはあまりない</a:t>
+              <a:t>作業の偏りはそこまでない</a:t>
             </a:r>
             <a:endParaRPr kumimoji="1" lang="en-US" altLang="ja-JP" sz="2000" dirty="0">
               <a:solidFill>
@@ -4394,21 +4394,6 @@
 </file>
 
 <file path=customXml/item1.xml><?xml version="1.0" encoding="utf-8"?>
-<p:properties xmlns:p="http://schemas.microsoft.com/office/2006/metadata/properties" xmlns:xsi="http://www.w3.org/2001/XMLSchema-instance" xmlns:pc="http://schemas.microsoft.com/office/infopath/2007/PartnerControls">
-  <documentManagement/>
-</p:properties>
-</file>
-
-<file path=customXml/item2.xml><?xml version="1.0" encoding="utf-8"?>
-<?mso-contentType ?>
-<FormTemplates xmlns="http://schemas.microsoft.com/sharepoint/v3/contenttype/forms">
-  <Display>DocumentLibraryForm</Display>
-  <Edit>DocumentLibraryForm</Edit>
-  <New>DocumentLibraryForm</New>
-</FormTemplates>
-</file>
-
-<file path=customXml/item3.xml><?xml version="1.0" encoding="utf-8"?>
 <ct:contentTypeSchema xmlns:ct="http://schemas.microsoft.com/office/2006/metadata/contentType" xmlns:ma="http://schemas.microsoft.com/office/2006/metadata/properties/metaAttributes" ct:_="" ma:_="" ma:contentTypeName="ドキュメント" ma:contentTypeID="0x0101000889705F6052C04CB62ECDDCC575A3DB" ma:contentTypeVersion="3" ma:contentTypeDescription="新しいドキュメントを作成します。" ma:contentTypeScope="" ma:versionID="d47e42d9aa81338a48bf776e976ae736">
   <xsd:schema xmlns:xsd="http://www.w3.org/2001/XMLSchema" xmlns:xs="http://www.w3.org/2001/XMLSchema" xmlns:p="http://schemas.microsoft.com/office/2006/metadata/properties" xmlns:ns2="24224b6e-b20b-49bc-8182-af155e721963" targetNamespace="http://schemas.microsoft.com/office/2006/metadata/properties" ma:root="true" ma:fieldsID="85fe8df68c0bdb848122ecebafca61db" ns2:_="">
     <xsd:import namespace="24224b6e-b20b-49bc-8182-af155e721963"/>
@@ -4546,24 +4531,22 @@
 </ct:contentTypeSchema>
 </file>
 
-<file path=customXml/itemProps1.xml><?xml version="1.0" encoding="utf-8"?>
-<ds:datastoreItem xmlns:ds="http://schemas.openxmlformats.org/officeDocument/2006/customXml" ds:itemID="{ADAA2642-6792-47F7-9100-35862C9A21B6}">
-  <ds:schemaRefs>
-    <ds:schemaRef ds:uri="http://schemas.microsoft.com/office/2006/metadata/properties"/>
-    <ds:schemaRef ds:uri="http://schemas.microsoft.com/office/infopath/2007/PartnerControls"/>
-  </ds:schemaRefs>
-</ds:datastoreItem>
+<file path=customXml/item2.xml><?xml version="1.0" encoding="utf-8"?>
+<?mso-contentType ?>
+<FormTemplates xmlns="http://schemas.microsoft.com/sharepoint/v3/contenttype/forms">
+  <Display>DocumentLibraryForm</Display>
+  <Edit>DocumentLibraryForm</Edit>
+  <New>DocumentLibraryForm</New>
+</FormTemplates>
 </file>
 
-<file path=customXml/itemProps2.xml><?xml version="1.0" encoding="utf-8"?>
-<ds:datastoreItem xmlns:ds="http://schemas.openxmlformats.org/officeDocument/2006/customXml" ds:itemID="{27F2B004-193B-40FE-AA77-13AC6B5407E7}">
-  <ds:schemaRefs>
-    <ds:schemaRef ds:uri="http://schemas.microsoft.com/sharepoint/v3/contenttype/forms"/>
-  </ds:schemaRefs>
-</ds:datastoreItem>
+<file path=customXml/item3.xml><?xml version="1.0" encoding="utf-8"?>
+<p:properties xmlns:p="http://schemas.microsoft.com/office/2006/metadata/properties" xmlns:xsi="http://www.w3.org/2001/XMLSchema-instance" xmlns:pc="http://schemas.microsoft.com/office/infopath/2007/PartnerControls">
+  <documentManagement/>
+</p:properties>
 </file>
 
-<file path=customXml/itemProps3.xml><?xml version="1.0" encoding="utf-8"?>
+<file path=customXml/itemProps1.xml><?xml version="1.0" encoding="utf-8"?>
 <ds:datastoreItem xmlns:ds="http://schemas.openxmlformats.org/officeDocument/2006/customXml" ds:itemID="{B412E3CA-7E91-4776-A63C-FFE36170EF44}">
   <ds:schemaRefs>
     <ds:schemaRef ds:uri="http://schemas.microsoft.com/office/2006/metadata/contentType"/>
@@ -4579,4 +4562,21 @@
     <ds:schemaRef ds:uri="http://schemas.microsoft.com/internal/obd"/>
   </ds:schemaRefs>
 </ds:datastoreItem>
+</file>
+
+<file path=customXml/itemProps2.xml><?xml version="1.0" encoding="utf-8"?>
+<ds:datastoreItem xmlns:ds="http://schemas.openxmlformats.org/officeDocument/2006/customXml" ds:itemID="{27F2B004-193B-40FE-AA77-13AC6B5407E7}">
+  <ds:schemaRefs>
+    <ds:schemaRef ds:uri="http://schemas.microsoft.com/sharepoint/v3/contenttype/forms"/>
+  </ds:schemaRefs>
+</ds:datastoreItem>
+</file>
+
+<file path=customXml/itemProps3.xml><?xml version="1.0" encoding="utf-8"?>
+<ds:datastoreItem xmlns:ds="http://schemas.openxmlformats.org/officeDocument/2006/customXml" ds:itemID="{ADAA2642-6792-47F7-9100-35862C9A21B6}">
+  <ds:schemaRefs>
+    <ds:schemaRef ds:uri="http://schemas.microsoft.com/office/2006/metadata/properties"/>
+    <ds:schemaRef ds:uri="http://schemas.microsoft.com/office/infopath/2007/PartnerControls"/>
+  </ds:schemaRefs>
+</ds:datastoreItem>
 </file>
--- a/03スプリントバックログ/第1回スプリングレトロスペクティブ.pptx
+++ b/03スプリントバックログ/第1回スプリングレトロスペクティブ.pptx
@@ -3746,6 +3746,37 @@
               </a:rPr>
               <a:t>・デザインを改善</a:t>
             </a:r>
+            <a:endParaRPr kumimoji="1" lang="en-US" altLang="ja-JP" sz="2000" dirty="0">
+              <a:solidFill>
+                <a:schemeClr val="tx1"/>
+              </a:solidFill>
+            </a:endParaRPr>
+          </a:p>
+          <a:p>
+            <a:r>
+              <a:rPr lang="ja-JP" altLang="en-US" sz="2000" dirty="0">
+                <a:solidFill>
+                  <a:schemeClr val="tx1"/>
+                </a:solidFill>
+              </a:rPr>
+              <a:t>・作業前後に</a:t>
+            </a:r>
+            <a:r>
+              <a:rPr lang="en-US" altLang="ja-JP" sz="2000" dirty="0">
+                <a:solidFill>
+                  <a:schemeClr val="tx1"/>
+                </a:solidFill>
+              </a:rPr>
+              <a:t>github</a:t>
+            </a:r>
+            <a:r>
+              <a:rPr lang="ja-JP" altLang="en-US" sz="2000" dirty="0">
+                <a:solidFill>
+                  <a:schemeClr val="tx1"/>
+                </a:solidFill>
+              </a:rPr>
+              <a:t>の更新を忘れない</a:t>
+            </a:r>
             <a:endParaRPr lang="en-US" altLang="ja-JP" sz="2000" dirty="0">
               <a:solidFill>
                 <a:schemeClr val="tx1"/>
@@ -4394,6 +4425,21 @@
 </file>
 
 <file path=customXml/item1.xml><?xml version="1.0" encoding="utf-8"?>
+<p:properties xmlns:p="http://schemas.microsoft.com/office/2006/metadata/properties" xmlns:xsi="http://www.w3.org/2001/XMLSchema-instance" xmlns:pc="http://schemas.microsoft.com/office/infopath/2007/PartnerControls">
+  <documentManagement/>
+</p:properties>
+</file>
+
+<file path=customXml/item2.xml><?xml version="1.0" encoding="utf-8"?>
+<?mso-contentType ?>
+<FormTemplates xmlns="http://schemas.microsoft.com/sharepoint/v3/contenttype/forms">
+  <Display>DocumentLibraryForm</Display>
+  <Edit>DocumentLibraryForm</Edit>
+  <New>DocumentLibraryForm</New>
+</FormTemplates>
+</file>
+
+<file path=customXml/item3.xml><?xml version="1.0" encoding="utf-8"?>
 <ct:contentTypeSchema xmlns:ct="http://schemas.microsoft.com/office/2006/metadata/contentType" xmlns:ma="http://schemas.microsoft.com/office/2006/metadata/properties/metaAttributes" ct:_="" ma:_="" ma:contentTypeName="ドキュメント" ma:contentTypeID="0x0101000889705F6052C04CB62ECDDCC575A3DB" ma:contentTypeVersion="3" ma:contentTypeDescription="新しいドキュメントを作成します。" ma:contentTypeScope="" ma:versionID="d47e42d9aa81338a48bf776e976ae736">
   <xsd:schema xmlns:xsd="http://www.w3.org/2001/XMLSchema" xmlns:xs="http://www.w3.org/2001/XMLSchema" xmlns:p="http://schemas.microsoft.com/office/2006/metadata/properties" xmlns:ns2="24224b6e-b20b-49bc-8182-af155e721963" targetNamespace="http://schemas.microsoft.com/office/2006/metadata/properties" ma:root="true" ma:fieldsID="85fe8df68c0bdb848122ecebafca61db" ns2:_="">
     <xsd:import namespace="24224b6e-b20b-49bc-8182-af155e721963"/>
@@ -4531,22 +4577,24 @@
 </ct:contentTypeSchema>
 </file>
 
-<file path=customXml/item2.xml><?xml version="1.0" encoding="utf-8"?>
-<?mso-contentType ?>
-<FormTemplates xmlns="http://schemas.microsoft.com/sharepoint/v3/contenttype/forms">
-  <Display>DocumentLibraryForm</Display>
-  <Edit>DocumentLibraryForm</Edit>
-  <New>DocumentLibraryForm</New>
-</FormTemplates>
+<file path=customXml/itemProps1.xml><?xml version="1.0" encoding="utf-8"?>
+<ds:datastoreItem xmlns:ds="http://schemas.openxmlformats.org/officeDocument/2006/customXml" ds:itemID="{ADAA2642-6792-47F7-9100-35862C9A21B6}">
+  <ds:schemaRefs>
+    <ds:schemaRef ds:uri="http://schemas.microsoft.com/office/2006/metadata/properties"/>
+    <ds:schemaRef ds:uri="http://schemas.microsoft.com/office/infopath/2007/PartnerControls"/>
+  </ds:schemaRefs>
+</ds:datastoreItem>
 </file>
 
-<file path=customXml/item3.xml><?xml version="1.0" encoding="utf-8"?>
-<p:properties xmlns:p="http://schemas.microsoft.com/office/2006/metadata/properties" xmlns:xsi="http://www.w3.org/2001/XMLSchema-instance" xmlns:pc="http://schemas.microsoft.com/office/infopath/2007/PartnerControls">
-  <documentManagement/>
-</p:properties>
+<file path=customXml/itemProps2.xml><?xml version="1.0" encoding="utf-8"?>
+<ds:datastoreItem xmlns:ds="http://schemas.openxmlformats.org/officeDocument/2006/customXml" ds:itemID="{27F2B004-193B-40FE-AA77-13AC6B5407E7}">
+  <ds:schemaRefs>
+    <ds:schemaRef ds:uri="http://schemas.microsoft.com/sharepoint/v3/contenttype/forms"/>
+  </ds:schemaRefs>
+</ds:datastoreItem>
 </file>
 
-<file path=customXml/itemProps1.xml><?xml version="1.0" encoding="utf-8"?>
+<file path=customXml/itemProps3.xml><?xml version="1.0" encoding="utf-8"?>
 <ds:datastoreItem xmlns:ds="http://schemas.openxmlformats.org/officeDocument/2006/customXml" ds:itemID="{B412E3CA-7E91-4776-A63C-FFE36170EF44}">
   <ds:schemaRefs>
     <ds:schemaRef ds:uri="http://schemas.microsoft.com/office/2006/metadata/contentType"/>
@@ -4562,21 +4610,4 @@
     <ds:schemaRef ds:uri="http://schemas.microsoft.com/internal/obd"/>
   </ds:schemaRefs>
 </ds:datastoreItem>
-</file>
-
-<file path=customXml/itemProps2.xml><?xml version="1.0" encoding="utf-8"?>
-<ds:datastoreItem xmlns:ds="http://schemas.openxmlformats.org/officeDocument/2006/customXml" ds:itemID="{27F2B004-193B-40FE-AA77-13AC6B5407E7}">
-  <ds:schemaRefs>
-    <ds:schemaRef ds:uri="http://schemas.microsoft.com/sharepoint/v3/contenttype/forms"/>
-  </ds:schemaRefs>
-</ds:datastoreItem>
-</file>
-
-<file path=customXml/itemProps3.xml><?xml version="1.0" encoding="utf-8"?>
-<ds:datastoreItem xmlns:ds="http://schemas.openxmlformats.org/officeDocument/2006/customXml" ds:itemID="{ADAA2642-6792-47F7-9100-35862C9A21B6}">
-  <ds:schemaRefs>
-    <ds:schemaRef ds:uri="http://schemas.microsoft.com/office/2006/metadata/properties"/>
-    <ds:schemaRef ds:uri="http://schemas.microsoft.com/office/infopath/2007/PartnerControls"/>
-  </ds:schemaRefs>
-</ds:datastoreItem>
 </file>